--- a/03.Loops/3.Loops.pptx
+++ b/03.Loops/3.Loops.pptx
@@ -5,24 +5,23 @@
     <p:sldMasterId id="2147483648" r:id="rId1"/>
   </p:sldMasterIdLst>
   <p:notesMasterIdLst>
-    <p:notesMasterId r:id="rId17"/>
+    <p:notesMasterId r:id="rId16"/>
   </p:notesMasterIdLst>
   <p:sldIdLst>
     <p:sldId id="256" r:id="rId2"/>
-    <p:sldId id="266" r:id="rId3"/>
-    <p:sldId id="267" r:id="rId4"/>
-    <p:sldId id="268" r:id="rId5"/>
-    <p:sldId id="269" r:id="rId6"/>
-    <p:sldId id="270" r:id="rId7"/>
-    <p:sldId id="271" r:id="rId8"/>
-    <p:sldId id="272" r:id="rId9"/>
-    <p:sldId id="273" r:id="rId10"/>
-    <p:sldId id="274" r:id="rId11"/>
-    <p:sldId id="275" r:id="rId12"/>
-    <p:sldId id="276" r:id="rId13"/>
-    <p:sldId id="277" r:id="rId14"/>
-    <p:sldId id="278" r:id="rId15"/>
-    <p:sldId id="279" r:id="rId16"/>
+    <p:sldId id="267" r:id="rId3"/>
+    <p:sldId id="268" r:id="rId4"/>
+    <p:sldId id="269" r:id="rId5"/>
+    <p:sldId id="270" r:id="rId6"/>
+    <p:sldId id="271" r:id="rId7"/>
+    <p:sldId id="272" r:id="rId8"/>
+    <p:sldId id="273" r:id="rId9"/>
+    <p:sldId id="274" r:id="rId10"/>
+    <p:sldId id="275" r:id="rId11"/>
+    <p:sldId id="276" r:id="rId12"/>
+    <p:sldId id="277" r:id="rId13"/>
+    <p:sldId id="278" r:id="rId14"/>
+    <p:sldId id="279" r:id="rId15"/>
   </p:sldIdLst>
   <p:sldSz cx="9144000" cy="5143500" type="screen16x9"/>
   <p:notesSz cx="6858000" cy="9144000"/>
@@ -2442,7 +2441,7 @@
           </a:ln>
           <a:extLst>
             <a:ext uri="{C572A759-6A51-4108-AA02-DFA0A04FC94B}">
-              <ma14:wrappingTextBoxFlag xmlns:ma14="http://schemas.microsoft.com/office/mac/drawingml/2011/main" xmlns:a14="http://schemas.microsoft.com/office/drawing/2010/main" xmlns:m="http://schemas.openxmlformats.org/officeDocument/2006/math" xmlns="" val="1"/>
+              <ma14:wrappingTextBoxFlag xmlns="" xmlns:m="http://schemas.openxmlformats.org/officeDocument/2006/math" xmlns:a14="http://schemas.microsoft.com/office/drawing/2010/main" xmlns:ma14="http://schemas.microsoft.com/office/mac/drawingml/2011/main" val="1"/>
             </a:ext>
           </a:extLst>
         </p:spPr>
@@ -2481,7 +2480,7 @@
           </a:ln>
           <a:extLst>
             <a:ext uri="{C572A759-6A51-4108-AA02-DFA0A04FC94B}">
-              <ma14:wrappingTextBoxFlag xmlns:ma14="http://schemas.microsoft.com/office/mac/drawingml/2011/main" xmlns:a14="http://schemas.microsoft.com/office/drawing/2010/main" xmlns:m="http://schemas.openxmlformats.org/officeDocument/2006/math" xmlns="" val="1"/>
+              <ma14:wrappingTextBoxFlag xmlns="" xmlns:m="http://schemas.openxmlformats.org/officeDocument/2006/math" xmlns:a14="http://schemas.microsoft.com/office/drawing/2010/main" xmlns:ma14="http://schemas.microsoft.com/office/mac/drawingml/2011/main" val="1"/>
             </a:ext>
           </a:extLst>
         </p:spPr>
@@ -3440,7 +3439,7 @@
               <a:defRPr sz="4941"/>
             </a:pPr>
             <a:r>
-              <a:rPr lang="en-US" smtClean="0"/>
+              <a:rPr lang="en-US" dirty="0" smtClean="0"/>
               <a:t>Loops</a:t>
             </a:r>
             <a:endParaRPr/>
@@ -3457,118 +3456,6 @@
 </file>
 
 <file path=ppt/slides/slide10.xml><?xml version="1.0" encoding="utf-8"?>
-<p:sld xmlns:a="http://schemas.openxmlformats.org/drawingml/2006/main" xmlns:r="http://schemas.openxmlformats.org/officeDocument/2006/relationships" xmlns:p="http://schemas.openxmlformats.org/presentationml/2006/main">
-  <p:cSld>
-    <p:spTree>
-      <p:nvGrpSpPr>
-        <p:cNvPr id="1" name=""/>
-        <p:cNvGrpSpPr/>
-        <p:nvPr/>
-      </p:nvGrpSpPr>
-      <p:grpSpPr>
-        <a:xfrm>
-          <a:off x="0" y="0"/>
-          <a:ext cx="0" cy="0"/>
-          <a:chOff x="0" y="0"/>
-          <a:chExt cx="0" cy="0"/>
-        </a:xfrm>
-      </p:grpSpPr>
-      <p:sp>
-        <p:nvSpPr>
-          <p:cNvPr id="175" name="Title 1"/>
-          <p:cNvSpPr txBox="1">
-            <a:spLocks noGrp="1"/>
-          </p:cNvSpPr>
-          <p:nvPr>
-            <p:ph type="title"/>
-          </p:nvPr>
-        </p:nvSpPr>
-        <p:spPr>
-          <a:xfrm>
-            <a:off x="729450" y="1318650"/>
-            <a:ext cx="7688699" cy="535201"/>
-          </a:xfrm>
-          <a:prstGeom prst="rect">
-            <a:avLst/>
-          </a:prstGeom>
-        </p:spPr>
-        <p:txBody>
-          <a:bodyPr/>
-          <a:lstStyle>
-            <a:lvl1pPr defTabSz="795527">
-              <a:defRPr sz="2262"/>
-            </a:lvl1pPr>
-          </a:lstStyle>
-          <a:p>
-            <a:r>
-              <a:t>Else Statement Loop</a:t>
-            </a:r>
-          </a:p>
-        </p:txBody>
-      </p:sp>
-      <p:sp>
-        <p:nvSpPr>
-          <p:cNvPr id="176" name="Text Placeholder 2"/>
-          <p:cNvSpPr txBox="1">
-            <a:spLocks noGrp="1"/>
-          </p:cNvSpPr>
-          <p:nvPr>
-            <p:ph type="body" sz="half" idx="1"/>
-          </p:nvPr>
-        </p:nvSpPr>
-        <p:spPr>
-          <a:xfrm>
-            <a:off x="729450" y="2078875"/>
-            <a:ext cx="6844830" cy="2261101"/>
-          </a:xfrm>
-          <a:prstGeom prst="rect">
-            <a:avLst/>
-          </a:prstGeom>
-        </p:spPr>
-        <p:txBody>
-          <a:bodyPr/>
-          <a:lstStyle/>
-          <a:p>
-            <a:pPr>
-              <a:buSzPts val="1400"/>
-              <a:defRPr sz="1400"/>
-            </a:pPr>
-            <a:r>
-              <a:t>Python supports to have an else statement associated with a loop statement.</a:t>
-            </a:r>
-          </a:p>
-          <a:p>
-            <a:endParaRPr/>
-          </a:p>
-          <a:p>
-            <a:r>
-              <a:t>If the else statement is used with a for loop, the else statement is executed when the loop has exhausted iterating the list.</a:t>
-            </a:r>
-          </a:p>
-          <a:p>
-            <a:pPr marL="311150" indent="-165100">
-              <a:buSzTx/>
-              <a:buNone/>
-            </a:pPr>
-            <a:endParaRPr/>
-          </a:p>
-          <a:p>
-            <a:r>
-              <a:t>f the else statement is used with a while loop, the else statement is executed when the condition becomes false.</a:t>
-            </a:r>
-          </a:p>
-        </p:txBody>
-      </p:sp>
-    </p:spTree>
-  </p:cSld>
-  <p:clrMapOvr>
-    <a:masterClrMapping/>
-  </p:clrMapOvr>
-  <p:transition spd="med"/>
-</p:sld>
-</file>
-
-<file path=ppt/slides/slide11.xml><?xml version="1.0" encoding="utf-8"?>
 <p:sld xmlns:a="http://schemas.openxmlformats.org/drawingml/2006/main" xmlns:r="http://schemas.openxmlformats.org/officeDocument/2006/relationships" xmlns:p="http://schemas.openxmlformats.org/presentationml/2006/main">
   <p:cSld>
     <p:spTree>
@@ -3738,7 +3625,7 @@
 </p:sld>
 </file>
 
-<file path=ppt/slides/slide12.xml><?xml version="1.0" encoding="utf-8"?>
+<file path=ppt/slides/slide11.xml><?xml version="1.0" encoding="utf-8"?>
 <p:sld xmlns:a="http://schemas.openxmlformats.org/drawingml/2006/main" xmlns:r="http://schemas.openxmlformats.org/officeDocument/2006/relationships" xmlns:p="http://schemas.openxmlformats.org/presentationml/2006/main">
   <p:cSld>
     <p:spTree>
@@ -3866,7 +3753,7 @@
 </p:sld>
 </file>
 
-<file path=ppt/slides/slide13.xml><?xml version="1.0" encoding="utf-8"?>
+<file path=ppt/slides/slide12.xml><?xml version="1.0" encoding="utf-8"?>
 <p:sld xmlns:a="http://schemas.openxmlformats.org/drawingml/2006/main" xmlns:r="http://schemas.openxmlformats.org/officeDocument/2006/relationships" xmlns:p="http://schemas.openxmlformats.org/presentationml/2006/main">
   <p:cSld>
     <p:spTree>
@@ -4082,7 +3969,7 @@
             <a:effectLst/>
             <a:extLst>
               <a:ext uri="{C572A759-6A51-4108-AA02-DFA0A04FC94B}">
-                <ma14:wrappingTextBoxFlag xmlns:ma14="http://schemas.microsoft.com/office/mac/drawingml/2011/main" xmlns:a14="http://schemas.microsoft.com/office/drawing/2010/main" xmlns:m="http://schemas.openxmlformats.org/officeDocument/2006/math" xmlns="" val="1"/>
+                <ma14:wrappingTextBoxFlag xmlns="" xmlns:m="http://schemas.openxmlformats.org/officeDocument/2006/math" xmlns:a14="http://schemas.microsoft.com/office/drawing/2010/main" xmlns:ma14="http://schemas.microsoft.com/office/mac/drawingml/2011/main" val="1"/>
               </a:ext>
             </a:extLst>
           </p:spPr>
@@ -4194,7 +4081,7 @@
 </p:sld>
 </file>
 
-<file path=ppt/slides/slide14.xml><?xml version="1.0" encoding="utf-8"?>
+<file path=ppt/slides/slide13.xml><?xml version="1.0" encoding="utf-8"?>
 <p:sld xmlns:a="http://schemas.openxmlformats.org/drawingml/2006/main" xmlns:r="http://schemas.openxmlformats.org/officeDocument/2006/relationships" xmlns:p="http://schemas.openxmlformats.org/presentationml/2006/main">
   <p:cSld>
     <p:spTree>
@@ -4405,7 +4292,7 @@
 </p:sld>
 </file>
 
-<file path=ppt/slides/slide15.xml><?xml version="1.0" encoding="utf-8"?>
+<file path=ppt/slides/slide14.xml><?xml version="1.0" encoding="utf-8"?>
 <p:sld xmlns:a="http://schemas.openxmlformats.org/drawingml/2006/main" xmlns:r="http://schemas.openxmlformats.org/officeDocument/2006/relationships" xmlns:p="http://schemas.openxmlformats.org/presentationml/2006/main">
   <p:cSld>
     <p:spTree>
@@ -4489,61 +4376,6 @@
 </file>
 
 <file path=ppt/slides/slide2.xml><?xml version="1.0" encoding="utf-8"?>
-<p:sld xmlns:a="http://schemas.openxmlformats.org/drawingml/2006/main" xmlns:r="http://schemas.openxmlformats.org/officeDocument/2006/relationships" xmlns:p="http://schemas.openxmlformats.org/presentationml/2006/main">
-  <p:cSld>
-    <p:spTree>
-      <p:nvGrpSpPr>
-        <p:cNvPr id="1" name=""/>
-        <p:cNvGrpSpPr/>
-        <p:nvPr/>
-      </p:nvGrpSpPr>
-      <p:grpSpPr>
-        <a:xfrm>
-          <a:off x="0" y="0"/>
-          <a:ext cx="0" cy="0"/>
-          <a:chOff x="0" y="0"/>
-          <a:chExt cx="0" cy="0"/>
-        </a:xfrm>
-      </p:grpSpPr>
-      <p:pic>
-        <p:nvPicPr>
-          <p:cNvPr id="147" name="Picture 2" descr="Picture 2"/>
-          <p:cNvPicPr>
-            <a:picLocks noChangeAspect="1"/>
-          </p:cNvPicPr>
-          <p:nvPr/>
-        </p:nvPicPr>
-        <p:blipFill>
-          <a:blip r:embed="rId2">
-            <a:extLst/>
-          </a:blip>
-          <a:stretch>
-            <a:fillRect/>
-          </a:stretch>
-        </p:blipFill>
-        <p:spPr>
-          <a:xfrm>
-            <a:off x="1463038" y="1458903"/>
-            <a:ext cx="5901056" cy="2729241"/>
-          </a:xfrm>
-          <a:prstGeom prst="rect">
-            <a:avLst/>
-          </a:prstGeom>
-          <a:ln w="12700">
-            <a:miter lim="400000"/>
-          </a:ln>
-        </p:spPr>
-      </p:pic>
-    </p:spTree>
-  </p:cSld>
-  <p:clrMapOvr>
-    <a:masterClrMapping/>
-  </p:clrMapOvr>
-  <p:transition spd="med"/>
-</p:sld>
-</file>
-
-<file path=ppt/slides/slide3.xml><?xml version="1.0" encoding="utf-8"?>
 <p:sld xmlns:a="http://schemas.openxmlformats.org/drawingml/2006/main" xmlns:r="http://schemas.openxmlformats.org/officeDocument/2006/relationships" xmlns:p="http://schemas.openxmlformats.org/presentationml/2006/main">
   <p:cSld>
     <p:spTree>
@@ -4660,7 +4492,7 @@
 </p:sld>
 </file>
 
-<file path=ppt/slides/slide4.xml><?xml version="1.0" encoding="utf-8"?>
+<file path=ppt/slides/slide3.xml><?xml version="1.0" encoding="utf-8"?>
 <p:sld xmlns:a="http://schemas.openxmlformats.org/drawingml/2006/main" xmlns:r="http://schemas.openxmlformats.org/officeDocument/2006/relationships" xmlns:p="http://schemas.openxmlformats.org/presentationml/2006/main">
   <p:cSld>
     <p:spTree>
@@ -4828,7 +4660,7 @@
 </p:sld>
 </file>
 
-<file path=ppt/slides/slide5.xml><?xml version="1.0" encoding="utf-8"?>
+<file path=ppt/slides/slide4.xml><?xml version="1.0" encoding="utf-8"?>
 <p:sld xmlns:a="http://schemas.openxmlformats.org/drawingml/2006/main" xmlns:r="http://schemas.openxmlformats.org/officeDocument/2006/relationships" xmlns:p="http://schemas.openxmlformats.org/presentationml/2006/main">
   <p:cSld>
     <p:spTree>
@@ -4995,7 +4827,7 @@
             <a:effectLst/>
             <a:extLst>
               <a:ext uri="{C572A759-6A51-4108-AA02-DFA0A04FC94B}">
-                <ma14:wrappingTextBoxFlag xmlns:ma14="http://schemas.microsoft.com/office/mac/drawingml/2011/main" xmlns:a14="http://schemas.microsoft.com/office/drawing/2010/main" xmlns:m="http://schemas.openxmlformats.org/officeDocument/2006/math" xmlns="" val="1"/>
+                <ma14:wrappingTextBoxFlag xmlns="" xmlns:m="http://schemas.openxmlformats.org/officeDocument/2006/math" xmlns:a14="http://schemas.microsoft.com/office/drawing/2010/main" xmlns:ma14="http://schemas.microsoft.com/office/mac/drawingml/2011/main" val="1"/>
               </a:ext>
             </a:extLst>
           </p:spPr>
@@ -5148,7 +4980,7 @@
 </p:sld>
 </file>
 
-<file path=ppt/slides/slide6.xml><?xml version="1.0" encoding="utf-8"?>
+<file path=ppt/slides/slide5.xml><?xml version="1.0" encoding="utf-8"?>
 <p:sld xmlns:a="http://schemas.openxmlformats.org/drawingml/2006/main" xmlns:r="http://schemas.openxmlformats.org/officeDocument/2006/relationships" xmlns:p="http://schemas.openxmlformats.org/presentationml/2006/main">
   <p:cSld>
     <p:spTree>
@@ -5265,7 +5097,7 @@
 </p:sld>
 </file>
 
-<file path=ppt/slides/slide7.xml><?xml version="1.0" encoding="utf-8"?>
+<file path=ppt/slides/slide6.xml><?xml version="1.0" encoding="utf-8"?>
 <p:sld xmlns:a="http://schemas.openxmlformats.org/drawingml/2006/main" xmlns:r="http://schemas.openxmlformats.org/officeDocument/2006/relationships" xmlns:p="http://schemas.openxmlformats.org/presentationml/2006/main">
   <p:cSld>
     <p:spTree>
@@ -5393,7 +5225,7 @@
 </p:sld>
 </file>
 
-<file path=ppt/slides/slide8.xml><?xml version="1.0" encoding="utf-8"?>
+<file path=ppt/slides/slide7.xml><?xml version="1.0" encoding="utf-8"?>
 <p:sld xmlns:a="http://schemas.openxmlformats.org/drawingml/2006/main" xmlns:r="http://schemas.openxmlformats.org/officeDocument/2006/relationships" xmlns:p="http://schemas.openxmlformats.org/presentationml/2006/main">
   <p:cSld>
     <p:spTree>
@@ -5535,7 +5367,7 @@
 </p:sld>
 </file>
 
-<file path=ppt/slides/slide9.xml><?xml version="1.0" encoding="utf-8"?>
+<file path=ppt/slides/slide8.xml><?xml version="1.0" encoding="utf-8"?>
 <p:sld xmlns:a="http://schemas.openxmlformats.org/drawingml/2006/main" xmlns:r="http://schemas.openxmlformats.org/officeDocument/2006/relationships" xmlns:p="http://schemas.openxmlformats.org/presentationml/2006/main">
   <p:cSld>
     <p:spTree>
@@ -5626,6 +5458,118 @@
           <a:p>
             <a:r>
               <a:t>Continue Breaks the current iteration and starts next iteration</a:t>
+            </a:r>
+          </a:p>
+        </p:txBody>
+      </p:sp>
+    </p:spTree>
+  </p:cSld>
+  <p:clrMapOvr>
+    <a:masterClrMapping/>
+  </p:clrMapOvr>
+  <p:transition spd="med"/>
+</p:sld>
+</file>
+
+<file path=ppt/slides/slide9.xml><?xml version="1.0" encoding="utf-8"?>
+<p:sld xmlns:a="http://schemas.openxmlformats.org/drawingml/2006/main" xmlns:r="http://schemas.openxmlformats.org/officeDocument/2006/relationships" xmlns:p="http://schemas.openxmlformats.org/presentationml/2006/main">
+  <p:cSld>
+    <p:spTree>
+      <p:nvGrpSpPr>
+        <p:cNvPr id="1" name=""/>
+        <p:cNvGrpSpPr/>
+        <p:nvPr/>
+      </p:nvGrpSpPr>
+      <p:grpSpPr>
+        <a:xfrm>
+          <a:off x="0" y="0"/>
+          <a:ext cx="0" cy="0"/>
+          <a:chOff x="0" y="0"/>
+          <a:chExt cx="0" cy="0"/>
+        </a:xfrm>
+      </p:grpSpPr>
+      <p:sp>
+        <p:nvSpPr>
+          <p:cNvPr id="175" name="Title 1"/>
+          <p:cNvSpPr txBox="1">
+            <a:spLocks noGrp="1"/>
+          </p:cNvSpPr>
+          <p:nvPr>
+            <p:ph type="title"/>
+          </p:nvPr>
+        </p:nvSpPr>
+        <p:spPr>
+          <a:xfrm>
+            <a:off x="729450" y="1318650"/>
+            <a:ext cx="7688699" cy="535201"/>
+          </a:xfrm>
+          <a:prstGeom prst="rect">
+            <a:avLst/>
+          </a:prstGeom>
+        </p:spPr>
+        <p:txBody>
+          <a:bodyPr/>
+          <a:lstStyle>
+            <a:lvl1pPr defTabSz="795527">
+              <a:defRPr sz="2262"/>
+            </a:lvl1pPr>
+          </a:lstStyle>
+          <a:p>
+            <a:r>
+              <a:t>Else Statement Loop</a:t>
+            </a:r>
+          </a:p>
+        </p:txBody>
+      </p:sp>
+      <p:sp>
+        <p:nvSpPr>
+          <p:cNvPr id="176" name="Text Placeholder 2"/>
+          <p:cNvSpPr txBox="1">
+            <a:spLocks noGrp="1"/>
+          </p:cNvSpPr>
+          <p:nvPr>
+            <p:ph type="body" sz="half" idx="1"/>
+          </p:nvPr>
+        </p:nvSpPr>
+        <p:spPr>
+          <a:xfrm>
+            <a:off x="729450" y="2078875"/>
+            <a:ext cx="6844830" cy="2261101"/>
+          </a:xfrm>
+          <a:prstGeom prst="rect">
+            <a:avLst/>
+          </a:prstGeom>
+        </p:spPr>
+        <p:txBody>
+          <a:bodyPr/>
+          <a:lstStyle/>
+          <a:p>
+            <a:pPr>
+              <a:buSzPts val="1400"/>
+              <a:defRPr sz="1400"/>
+            </a:pPr>
+            <a:r>
+              <a:t>Python supports to have an else statement associated with a loop statement.</a:t>
+            </a:r>
+          </a:p>
+          <a:p>
+            <a:endParaRPr/>
+          </a:p>
+          <a:p>
+            <a:r>
+              <a:t>If the else statement is used with a for loop, the else statement is executed when the loop has exhausted iterating the list.</a:t>
+            </a:r>
+          </a:p>
+          <a:p>
+            <a:pPr marL="311150" indent="-165100">
+              <a:buSzTx/>
+              <a:buNone/>
+            </a:pPr>
+            <a:endParaRPr/>
+          </a:p>
+          <a:p>
+            <a:r>
+              <a:t>f the else statement is used with a while loop, the else statement is executed when the condition becomes false.</a:t>
             </a:r>
           </a:p>
         </p:txBody>

--- a/03.Loops/3.Loops.pptx
+++ b/03.Loops/3.Loops.pptx
@@ -323,6 +323,22 @@
       </a:defRPr>
     </a:lvl9pPr>
   </p:defaultTextStyle>
+  <p:extLst>
+    <p:ext uri="{EFAFB233-063F-42B5-8137-9DF3F51BA10A}">
+      <p15:sldGuideLst xmlns:p15="http://schemas.microsoft.com/office/powerpoint/2012/main">
+        <p15:guide id="1" orient="horz" pos="1620">
+          <p15:clr>
+            <a:srgbClr val="A4A3A4"/>
+          </p15:clr>
+        </p15:guide>
+        <p15:guide id="2" pos="2880">
+          <p15:clr>
+            <a:srgbClr val="A4A3A4"/>
+          </p15:clr>
+        </p15:guide>
+      </p15:sldGuideLst>
+    </p:ext>
+  </p:extLst>
 </p:presentation>
 </file>
 
@@ -2441,7 +2457,7 @@
           </a:ln>
           <a:extLst>
             <a:ext uri="{C572A759-6A51-4108-AA02-DFA0A04FC94B}">
-              <ma14:wrappingTextBoxFlag xmlns="" xmlns:m="http://schemas.openxmlformats.org/officeDocument/2006/math" xmlns:a14="http://schemas.microsoft.com/office/drawing/2010/main" xmlns:ma14="http://schemas.microsoft.com/office/mac/drawingml/2011/main" val="1"/>
+              <ma14:wrappingTextBoxFlag xmlns:ma14="http://schemas.microsoft.com/office/mac/drawingml/2011/main" xmlns:a14="http://schemas.microsoft.com/office/drawing/2010/main" xmlns:m="http://schemas.openxmlformats.org/officeDocument/2006/math" xmlns="" val="1"/>
             </a:ext>
           </a:extLst>
         </p:spPr>
@@ -2480,7 +2496,7 @@
           </a:ln>
           <a:extLst>
             <a:ext uri="{C572A759-6A51-4108-AA02-DFA0A04FC94B}">
-              <ma14:wrappingTextBoxFlag xmlns="" xmlns:m="http://schemas.openxmlformats.org/officeDocument/2006/math" xmlns:a14="http://schemas.microsoft.com/office/drawing/2010/main" xmlns:ma14="http://schemas.microsoft.com/office/mac/drawingml/2011/main" val="1"/>
+              <ma14:wrappingTextBoxFlag xmlns:ma14="http://schemas.microsoft.com/office/mac/drawingml/2011/main" xmlns:a14="http://schemas.microsoft.com/office/drawing/2010/main" xmlns:m="http://schemas.openxmlformats.org/officeDocument/2006/math" xmlns="" val="1"/>
             </a:ext>
           </a:extLst>
         </p:spPr>
@@ -3439,7 +3455,7 @@
               <a:defRPr sz="4941"/>
             </a:pPr>
             <a:r>
-              <a:rPr lang="en-US" dirty="0" smtClean="0"/>
+              <a:rPr lang="en-US" dirty="0"/>
               <a:t>Loops</a:t>
             </a:r>
             <a:endParaRPr/>
@@ -3969,7 +3985,7 @@
             <a:effectLst/>
             <a:extLst>
               <a:ext uri="{C572A759-6A51-4108-AA02-DFA0A04FC94B}">
-                <ma14:wrappingTextBoxFlag xmlns="" xmlns:m="http://schemas.openxmlformats.org/officeDocument/2006/math" xmlns:a14="http://schemas.microsoft.com/office/drawing/2010/main" xmlns:ma14="http://schemas.microsoft.com/office/mac/drawingml/2011/main" val="1"/>
+                <ma14:wrappingTextBoxFlag xmlns:ma14="http://schemas.microsoft.com/office/mac/drawingml/2011/main" xmlns:a14="http://schemas.microsoft.com/office/drawing/2010/main" xmlns:m="http://schemas.openxmlformats.org/officeDocument/2006/math" xmlns="" val="1"/>
               </a:ext>
             </a:extLst>
           </p:spPr>
@@ -4463,9 +4479,7 @@
           <p:nvPr/>
         </p:nvPicPr>
         <p:blipFill>
-          <a:blip r:embed="rId2">
-            <a:extLst/>
-          </a:blip>
+          <a:blip r:embed="rId2"/>
           <a:stretch>
             <a:fillRect/>
           </a:stretch>
@@ -4578,6 +4592,7 @@
               </a:defRPr>
             </a:pPr>
             <a:r>
+              <a:rPr dirty="0"/>
               <a:t>count = 0 </a:t>
             </a:r>
           </a:p>
@@ -4592,7 +4607,38 @@
               </a:defRPr>
             </a:pPr>
             <a:r>
+              <a:rPr dirty="0"/>
               <a:t>	while (count &lt; 9): </a:t>
+            </a:r>
+          </a:p>
+          <a:p>
+            <a:pPr marL="822613" lvl="1" indent="-165100">
+              <a:buSzTx/>
+              <a:buNone/>
+              <a:defRPr>
+                <a:solidFill>
+                  <a:srgbClr val="FFFFFF"/>
+                </a:solidFill>
+              </a:defRPr>
+            </a:pPr>
+            <a:r>
+              <a:rPr dirty="0"/>
+              <a:t>	print (‘The count is:', count) </a:t>
+            </a:r>
+          </a:p>
+          <a:p>
+            <a:pPr marL="822613" lvl="1" indent="-165100">
+              <a:buSzTx/>
+              <a:buNone/>
+              <a:defRPr>
+                <a:solidFill>
+                  <a:srgbClr val="FFFFFF"/>
+                </a:solidFill>
+              </a:defRPr>
+            </a:pPr>
+            <a:r>
+              <a:rPr dirty="0"/>
+              <a:t>	count = count + 1 </a:t>
             </a:r>
           </a:p>
           <a:p>
@@ -4605,9 +4651,7 @@
                 </a:solidFill>
               </a:defRPr>
             </a:pPr>
-            <a:r>
-              <a:t>	print (‘The count is:', count) </a:t>
-            </a:r>
+            <a:endParaRPr dirty="0"/>
           </a:p>
           <a:p>
             <a:pPr marL="311150" indent="-165100">
@@ -4620,32 +4664,7 @@
               </a:defRPr>
             </a:pPr>
             <a:r>
-              <a:t>	count = count + 1 </a:t>
-            </a:r>
-          </a:p>
-          <a:p>
-            <a:pPr marL="311150" indent="-165100">
-              <a:buSzTx/>
-              <a:buNone/>
-              <a:defRPr>
-                <a:solidFill>
-                  <a:srgbClr val="FFFFFF"/>
-                </a:solidFill>
-              </a:defRPr>
-            </a:pPr>
-            <a:endParaRPr/>
-          </a:p>
-          <a:p>
-            <a:pPr marL="311150" indent="-165100">
-              <a:buSzTx/>
-              <a:buNone/>
-              <a:defRPr>
-                <a:solidFill>
-                  <a:srgbClr val="FFFFFF"/>
-                </a:solidFill>
-              </a:defRPr>
-            </a:pPr>
-            <a:r>
+              <a:rPr dirty="0"/>
               <a:t>print “bye!"</a:t>
             </a:r>
           </a:p>
@@ -4734,11 +4753,13 @@
           <a:lstStyle/>
           <a:p>
             <a:r>
+              <a:rPr dirty="0"/>
               <a:t>A loop becomes infinite loop if a condition never becomes FALSE. </a:t>
             </a:r>
           </a:p>
           <a:p>
             <a:r>
+              <a:rPr dirty="0"/>
               <a:t>You must use caution when using while loops because of the possibility that this condition never resolves to a FALSE value. </a:t>
             </a:r>
           </a:p>
@@ -4827,7 +4848,7 @@
             <a:effectLst/>
             <a:extLst>
               <a:ext uri="{C572A759-6A51-4108-AA02-DFA0A04FC94B}">
-                <ma14:wrappingTextBoxFlag xmlns="" xmlns:m="http://schemas.openxmlformats.org/officeDocument/2006/math" xmlns:a14="http://schemas.microsoft.com/office/drawing/2010/main" xmlns:ma14="http://schemas.microsoft.com/office/mac/drawingml/2011/main" val="1"/>
+                <ma14:wrappingTextBoxFlag xmlns:ma14="http://schemas.microsoft.com/office/mac/drawingml/2011/main" xmlns:a14="http://schemas.microsoft.com/office/drawing/2010/main" xmlns:m="http://schemas.openxmlformats.org/officeDocument/2006/math" xmlns="" val="1"/>
               </a:ext>
             </a:extLst>
           </p:spPr>
@@ -4852,9 +4873,10 @@
                 </a:defRPr>
               </a:pPr>
               <a:r>
+                <a:rPr dirty="0"/>
                 <a:t>count = 1</a:t>
               </a:r>
-              <a:endParaRPr>
+              <a:endParaRPr dirty="0">
                 <a:solidFill>
                   <a:srgbClr val="000000"/>
                 </a:solidFill>
@@ -4876,9 +4898,10 @@
                 </a:defRPr>
               </a:pPr>
               <a:r>
+                <a:rPr dirty="0"/>
                 <a:t>	while (count &lt; 9): </a:t>
               </a:r>
-              <a:endParaRPr>
+              <a:endParaRPr dirty="0">
                 <a:solidFill>
                   <a:srgbClr val="000000"/>
                 </a:solidFill>
@@ -4900,9 +4923,10 @@
                 </a:defRPr>
               </a:pPr>
               <a:r>
+                <a:rPr dirty="0"/>
                 <a:t>	print ('The count is:', count) </a:t>
               </a:r>
-              <a:endParaRPr>
+              <a:endParaRPr dirty="0">
                 <a:solidFill>
                   <a:srgbClr val="000000"/>
                 </a:solidFill>
@@ -4924,9 +4948,10 @@
                 </a:defRPr>
               </a:pPr>
               <a:r>
+                <a:rPr dirty="0"/>
                 <a:t>	# count = count + 1 </a:t>
               </a:r>
-              <a:endParaRPr>
+              <a:endParaRPr dirty="0">
                 <a:solidFill>
                   <a:srgbClr val="000000"/>
                 </a:solidFill>
@@ -4947,7 +4972,7 @@
                   <a:sym typeface="Museo Sans 700"/>
                 </a:defRPr>
               </a:pPr>
-              <a:endParaRPr/>
+              <a:endParaRPr dirty="0"/>
             </a:p>
             <a:p>
               <a:pPr marL="311150" indent="-165100">
@@ -4965,6 +4990,7 @@
                 </a:defRPr>
               </a:pPr>
               <a:r>
+                <a:rPr dirty="0"/>
                 <a:t>print “bye!"</a:t>
               </a:r>
             </a:p>
@@ -5068,9 +5094,7 @@
           <p:nvPr/>
         </p:nvPicPr>
         <p:blipFill>
-          <a:blip r:embed="rId2">
-            <a:extLst/>
-          </a:blip>
+          <a:blip r:embed="rId2"/>
           <a:stretch>
             <a:fillRect/>
           </a:stretch>
